--- a/PhotoGalery/AngularJS-directive - final.pptx
+++ b/PhotoGalery/AngularJS-directive - final.pptx
@@ -276,7 +276,7 @@
           <a:p>
             <a:fld id="{53948BC8-3A78-44E2-91A8-C4B337979848}" type="datetimeFigureOut">
               <a:rPr lang="en-US" smtClean="0"/>
-              <a:t>10/14/2016</a:t>
+              <a:t>10/25/2016</a:t>
             </a:fld>
             <a:endParaRPr lang="en-US"/>
           </a:p>
@@ -5489,50 +5489,6 @@
           <a:bodyPr/>
           <a:lstStyle/>
           <a:p>
-            <a:r>
-              <a:rPr lang="en-US" dirty="0" smtClean="0"/>
-              <a:t>A drop down has several languages.</a:t>
-            </a:r>
-          </a:p>
-          <a:p>
-            <a:endParaRPr lang="en-US" dirty="0" smtClean="0"/>
-          </a:p>
-          <a:p>
-            <a:r>
-              <a:rPr lang="en-US" dirty="0" smtClean="0"/>
-              <a:t>Choosing a language will output the days of the week in that language.</a:t>
-            </a:r>
-          </a:p>
-          <a:p>
-            <a:endParaRPr lang="en-US" dirty="0" smtClean="0"/>
-          </a:p>
-          <a:p>
-            <a:r>
-              <a:rPr lang="en-US" dirty="0" smtClean="0"/>
-              <a:t>There is a module</a:t>
-            </a:r>
-            <a:r>
-              <a:rPr lang="en-US" baseline="0" dirty="0" smtClean="0"/>
-              <a:t> that controls the days of week, language information, and provides a directive.</a:t>
-            </a:r>
-          </a:p>
-          <a:p>
-            <a:endParaRPr lang="en-US" baseline="0" dirty="0" smtClean="0"/>
-          </a:p>
-          <a:p>
-            <a:r>
-              <a:rPr lang="en-US" baseline="0" dirty="0" smtClean="0"/>
-              <a:t>The main module uses the services from the days of week module.</a:t>
-            </a:r>
-          </a:p>
-          <a:p>
-            <a:endParaRPr lang="en-US" baseline="0" dirty="0" smtClean="0"/>
-          </a:p>
-          <a:p>
-            <a:r>
-              <a:rPr lang="en-US" baseline="0" dirty="0" smtClean="0"/>
-              <a:t>The index.html uses the directive from the days of week module.</a:t>
-            </a:r>
             <a:endParaRPr lang="en-US" dirty="0"/>
           </a:p>
         </p:txBody>
@@ -6051,7 +6007,7 @@
           <a:p>
             <a:fld id="{026A35CF-FC24-4311-8558-FC87DEC00998}" type="datetimeFigureOut">
               <a:rPr lang="en-US" smtClean="0"/>
-              <a:t>10/14/2016</a:t>
+              <a:t>10/25/2016</a:t>
             </a:fld>
             <a:endParaRPr lang="en-US"/>
           </a:p>
@@ -6177,6 +6133,13 @@
   <p:clrMapOvr>
     <a:masterClrMapping/>
   </p:clrMapOvr>
+  <p:timing>
+    <p:tnLst>
+      <p:par>
+        <p:cTn id="1" dur="indefinite" restart="never" nodeType="tmRoot"/>
+      </p:par>
+    </p:tnLst>
+  </p:timing>
 </p:sldLayout>
 </file>
 
@@ -6289,7 +6252,7 @@
           <a:p>
             <a:fld id="{026A35CF-FC24-4311-8558-FC87DEC00998}" type="datetimeFigureOut">
               <a:rPr lang="en-US" smtClean="0"/>
-              <a:t>10/14/2016</a:t>
+              <a:t>10/25/2016</a:t>
             </a:fld>
             <a:endParaRPr lang="en-US"/>
           </a:p>
@@ -6545,7 +6508,7 @@
           <a:p>
             <a:fld id="{026A35CF-FC24-4311-8558-FC87DEC00998}" type="datetimeFigureOut">
               <a:rPr lang="en-US" smtClean="0"/>
-              <a:t>10/14/2016</a:t>
+              <a:t>10/25/2016</a:t>
             </a:fld>
             <a:endParaRPr lang="en-US"/>
           </a:p>
@@ -6722,7 +6685,7 @@
           <a:p>
             <a:fld id="{026A35CF-FC24-4311-8558-FC87DEC00998}" type="datetimeFigureOut">
               <a:rPr lang="en-US" smtClean="0"/>
-              <a:t>10/14/2016</a:t>
+              <a:t>10/25/2016</a:t>
             </a:fld>
             <a:endParaRPr lang="en-US"/>
           </a:p>
@@ -7095,7 +7058,7 @@
           <a:p>
             <a:fld id="{026A35CF-FC24-4311-8558-FC87DEC00998}" type="datetimeFigureOut">
               <a:rPr lang="en-US" smtClean="0"/>
-              <a:t>10/14/2016</a:t>
+              <a:t>10/25/2016</a:t>
             </a:fld>
             <a:endParaRPr lang="en-US"/>
           </a:p>
@@ -7400,7 +7363,7 @@
           <a:p>
             <a:fld id="{026A35CF-FC24-4311-8558-FC87DEC00998}" type="datetimeFigureOut">
               <a:rPr lang="en-US" smtClean="0"/>
-              <a:t>10/14/2016</a:t>
+              <a:t>10/25/2016</a:t>
             </a:fld>
             <a:endParaRPr lang="en-US"/>
           </a:p>
@@ -7779,7 +7742,7 @@
           <a:p>
             <a:fld id="{026A35CF-FC24-4311-8558-FC87DEC00998}" type="datetimeFigureOut">
               <a:rPr lang="en-US" smtClean="0"/>
-              <a:t>10/14/2016</a:t>
+              <a:t>10/25/2016</a:t>
             </a:fld>
             <a:endParaRPr lang="en-US"/>
           </a:p>
@@ -7897,7 +7860,7 @@
           <a:p>
             <a:fld id="{026A35CF-FC24-4311-8558-FC87DEC00998}" type="datetimeFigureOut">
               <a:rPr lang="en-US" smtClean="0"/>
-              <a:t>10/14/2016</a:t>
+              <a:t>10/25/2016</a:t>
             </a:fld>
             <a:endParaRPr lang="en-US"/>
           </a:p>
@@ -8068,7 +8031,7 @@
           <a:p>
             <a:fld id="{026A35CF-FC24-4311-8558-FC87DEC00998}" type="datetimeFigureOut">
               <a:rPr lang="en-US" smtClean="0"/>
-              <a:t>10/14/2016</a:t>
+              <a:t>10/25/2016</a:t>
             </a:fld>
             <a:endParaRPr lang="en-US"/>
           </a:p>
@@ -8452,7 +8415,7 @@
           <a:p>
             <a:fld id="{026A35CF-FC24-4311-8558-FC87DEC00998}" type="datetimeFigureOut">
               <a:rPr lang="en-US" smtClean="0"/>
-              <a:t>10/14/2016</a:t>
+              <a:t>10/25/2016</a:t>
             </a:fld>
             <a:endParaRPr lang="en-US"/>
           </a:p>
@@ -8829,7 +8792,7 @@
           <a:p>
             <a:fld id="{026A35CF-FC24-4311-8558-FC87DEC00998}" type="datetimeFigureOut">
               <a:rPr lang="en-US" smtClean="0"/>
-              <a:t>10/14/2016</a:t>
+              <a:t>10/25/2016</a:t>
             </a:fld>
             <a:endParaRPr lang="en-US"/>
           </a:p>
@@ -9116,7 +9079,7 @@
           <a:p>
             <a:fld id="{026A35CF-FC24-4311-8558-FC87DEC00998}" type="datetimeFigureOut">
               <a:rPr lang="en-US" smtClean="0"/>
-              <a:t>10/14/2016</a:t>
+              <a:t>10/25/2016</a:t>
             </a:fld>
             <a:endParaRPr lang="en-US"/>
           </a:p>
@@ -38533,7 +38496,7 @@
 <file path=ppt/theme/theme1.xml><?xml version="1.0" encoding="utf-8"?>
 <a:theme xmlns:a="http://schemas.openxmlformats.org/drawingml/2006/main" name="Retrospect">
   <a:themeElements>
-    <a:clrScheme name="Custom 1">
+    <a:clrScheme name="Blue II">
       <a:dk1>
         <a:sysClr val="windowText" lastClr="000000"/>
       </a:dk1>
@@ -38541,34 +38504,34 @@
         <a:sysClr val="window" lastClr="FFFFFF"/>
       </a:lt1>
       <a:dk2>
-        <a:srgbClr val="696464"/>
+        <a:srgbClr val="335B74"/>
       </a:dk2>
       <a:lt2>
-        <a:srgbClr val="E9E5DC"/>
+        <a:srgbClr val="DFE3E5"/>
       </a:lt2>
       <a:accent1>
-        <a:srgbClr val="D34817"/>
+        <a:srgbClr val="1CADE4"/>
       </a:accent1>
       <a:accent2>
-        <a:srgbClr val="9B2D1F"/>
+        <a:srgbClr val="2683C6"/>
       </a:accent2>
       <a:accent3>
-        <a:srgbClr val="A28E6A"/>
+        <a:srgbClr val="27CED7"/>
       </a:accent3>
       <a:accent4>
-        <a:srgbClr val="956251"/>
+        <a:srgbClr val="42BA97"/>
       </a:accent4>
       <a:accent5>
-        <a:srgbClr val="918485"/>
+        <a:srgbClr val="3E8853"/>
       </a:accent5>
       <a:accent6>
-        <a:srgbClr val="855D5D"/>
+        <a:srgbClr val="62A39F"/>
       </a:accent6>
       <a:hlink>
-        <a:srgbClr val="CC9900"/>
+        <a:srgbClr val="6EAC1C"/>
       </a:hlink>
       <a:folHlink>
-        <a:srgbClr val="CC9900"/>
+        <a:srgbClr val="B26B02"/>
       </a:folHlink>
     </a:clrScheme>
     <a:fontScheme name="Retrospect">
